--- a/ThreeDayCourse_v22/Day3/5.0 - ConvertingFeeders.pptx
+++ b/ThreeDayCourse_v22/Day3/5.0 - ConvertingFeeders.pptx
@@ -21,25 +21,26 @@
     <p:sldId id="268" r:id="rId15"/>
     <p:sldId id="267" r:id="rId16"/>
     <p:sldId id="284" r:id="rId17"/>
-    <p:sldId id="269" r:id="rId18"/>
-    <p:sldId id="271" r:id="rId19"/>
-    <p:sldId id="272" r:id="rId20"/>
-    <p:sldId id="273" r:id="rId21"/>
-    <p:sldId id="274" r:id="rId22"/>
-    <p:sldId id="270" r:id="rId23"/>
-    <p:sldId id="282" r:id="rId24"/>
-    <p:sldId id="283" r:id="rId25"/>
-    <p:sldId id="287" r:id="rId26"/>
-    <p:sldId id="288" r:id="rId27"/>
-    <p:sldId id="275" r:id="rId28"/>
-    <p:sldId id="278" r:id="rId29"/>
-    <p:sldId id="285" r:id="rId30"/>
-    <p:sldId id="279" r:id="rId31"/>
-    <p:sldId id="281" r:id="rId32"/>
-    <p:sldId id="286" r:id="rId33"/>
-    <p:sldId id="280" r:id="rId34"/>
-    <p:sldId id="289" r:id="rId35"/>
-    <p:sldId id="290" r:id="rId36"/>
+    <p:sldId id="291" r:id="rId18"/>
+    <p:sldId id="269" r:id="rId19"/>
+    <p:sldId id="271" r:id="rId20"/>
+    <p:sldId id="272" r:id="rId21"/>
+    <p:sldId id="273" r:id="rId22"/>
+    <p:sldId id="274" r:id="rId23"/>
+    <p:sldId id="270" r:id="rId24"/>
+    <p:sldId id="282" r:id="rId25"/>
+    <p:sldId id="283" r:id="rId26"/>
+    <p:sldId id="287" r:id="rId27"/>
+    <p:sldId id="288" r:id="rId28"/>
+    <p:sldId id="275" r:id="rId29"/>
+    <p:sldId id="278" r:id="rId30"/>
+    <p:sldId id="285" r:id="rId31"/>
+    <p:sldId id="279" r:id="rId32"/>
+    <p:sldId id="281" r:id="rId33"/>
+    <p:sldId id="286" r:id="rId34"/>
+    <p:sldId id="280" r:id="rId35"/>
+    <p:sldId id="289" r:id="rId36"/>
+    <p:sldId id="290" r:id="rId37"/>
   </p:sldIdLst>
   <p:sldSz cx="9144000" cy="6858000" type="screen4x3"/>
   <p:notesSz cx="6858000" cy="9144000"/>
@@ -139,6 +140,12 @@
     </a:lvl9pPr>
   </p:defaultTextStyle>
 </p:presentation>
+</file>
+
+<file path=ppt/commentAuthors.xml><?xml version="1.0" encoding="utf-8"?>
+<p:cmAuthorLst xmlns:a="http://schemas.openxmlformats.org/drawingml/2006/main" xmlns:r="http://schemas.openxmlformats.org/officeDocument/2006/relationships" xmlns:p="http://schemas.openxmlformats.org/presentationml/2006/main">
+  <p:cmAuthor id="0" name="Chris Bonebrake" initials="CAB" lastIdx="7" clrIdx="0"/>
+</p:cmAuthorLst>
 </file>
 
 <file path=ppt/slideLayouts/slideLayout1.xml><?xml version="1.0" encoding="utf-8"?>
@@ -323,7 +330,7 @@
             <a:fld id="{1D8BD707-D9CF-40AE-B4C6-C98DA3205C09}" type="datetimeFigureOut">
               <a:rPr lang="en-US" smtClean="0"/>
               <a:pPr/>
-              <a:t>2/5/2012</a:t>
+              <a:t>4/10/2012</a:t>
             </a:fld>
             <a:endParaRPr lang="en-US"/>
           </a:p>
@@ -490,7 +497,7 @@
             <a:fld id="{1D8BD707-D9CF-40AE-B4C6-C98DA3205C09}" type="datetimeFigureOut">
               <a:rPr lang="en-US" smtClean="0"/>
               <a:pPr/>
-              <a:t>2/5/2012</a:t>
+              <a:t>4/10/2012</a:t>
             </a:fld>
             <a:endParaRPr lang="en-US"/>
           </a:p>
@@ -667,7 +674,7 @@
             <a:fld id="{1D8BD707-D9CF-40AE-B4C6-C98DA3205C09}" type="datetimeFigureOut">
               <a:rPr lang="en-US" smtClean="0"/>
               <a:pPr/>
-              <a:t>2/5/2012</a:t>
+              <a:t>4/10/2012</a:t>
             </a:fld>
             <a:endParaRPr lang="en-US"/>
           </a:p>
@@ -834,7 +841,7 @@
             <a:fld id="{1D8BD707-D9CF-40AE-B4C6-C98DA3205C09}" type="datetimeFigureOut">
               <a:rPr lang="en-US" smtClean="0"/>
               <a:pPr/>
-              <a:t>2/5/2012</a:t>
+              <a:t>4/10/2012</a:t>
             </a:fld>
             <a:endParaRPr lang="en-US"/>
           </a:p>
@@ -1077,7 +1084,7 @@
             <a:fld id="{1D8BD707-D9CF-40AE-B4C6-C98DA3205C09}" type="datetimeFigureOut">
               <a:rPr lang="en-US" smtClean="0"/>
               <a:pPr/>
-              <a:t>2/5/2012</a:t>
+              <a:t>4/10/2012</a:t>
             </a:fld>
             <a:endParaRPr lang="en-US"/>
           </a:p>
@@ -1362,7 +1369,7 @@
             <a:fld id="{1D8BD707-D9CF-40AE-B4C6-C98DA3205C09}" type="datetimeFigureOut">
               <a:rPr lang="en-US" smtClean="0"/>
               <a:pPr/>
-              <a:t>2/5/2012</a:t>
+              <a:t>4/10/2012</a:t>
             </a:fld>
             <a:endParaRPr lang="en-US"/>
           </a:p>
@@ -1781,7 +1788,7 @@
             <a:fld id="{1D8BD707-D9CF-40AE-B4C6-C98DA3205C09}" type="datetimeFigureOut">
               <a:rPr lang="en-US" smtClean="0"/>
               <a:pPr/>
-              <a:t>2/5/2012</a:t>
+              <a:t>4/10/2012</a:t>
             </a:fld>
             <a:endParaRPr lang="en-US"/>
           </a:p>
@@ -1896,7 +1903,7 @@
             <a:fld id="{1D8BD707-D9CF-40AE-B4C6-C98DA3205C09}" type="datetimeFigureOut">
               <a:rPr lang="en-US" smtClean="0"/>
               <a:pPr/>
-              <a:t>2/5/2012</a:t>
+              <a:t>4/10/2012</a:t>
             </a:fld>
             <a:endParaRPr lang="en-US"/>
           </a:p>
@@ -1988,7 +1995,7 @@
             <a:fld id="{1D8BD707-D9CF-40AE-B4C6-C98DA3205C09}" type="datetimeFigureOut">
               <a:rPr lang="en-US" smtClean="0"/>
               <a:pPr/>
-              <a:t>2/5/2012</a:t>
+              <a:t>4/10/2012</a:t>
             </a:fld>
             <a:endParaRPr lang="en-US"/>
           </a:p>
@@ -2262,7 +2269,7 @@
             <a:fld id="{1D8BD707-D9CF-40AE-B4C6-C98DA3205C09}" type="datetimeFigureOut">
               <a:rPr lang="en-US" smtClean="0"/>
               <a:pPr/>
-              <a:t>2/5/2012</a:t>
+              <a:t>4/10/2012</a:t>
             </a:fld>
             <a:endParaRPr lang="en-US"/>
           </a:p>
@@ -2512,7 +2519,7 @@
             <a:fld id="{1D8BD707-D9CF-40AE-B4C6-C98DA3205C09}" type="datetimeFigureOut">
               <a:rPr lang="en-US" smtClean="0"/>
               <a:pPr/>
-              <a:t>2/5/2012</a:t>
+              <a:t>4/10/2012</a:t>
             </a:fld>
             <a:endParaRPr lang="en-US"/>
           </a:p>
@@ -2722,7 +2729,7 @@
             <a:fld id="{1D8BD707-D9CF-40AE-B4C6-C98DA3205C09}" type="datetimeFigureOut">
               <a:rPr lang="en-US" smtClean="0"/>
               <a:pPr/>
-              <a:t>2/5/2012</a:t>
+              <a:t>4/10/2012</a:t>
             </a:fld>
             <a:endParaRPr lang="en-US"/>
           </a:p>
@@ -3244,7 +3251,7 @@
             <a:pPr lvl="1"/>
             <a:r>
               <a:rPr lang="en-US" dirty="0" smtClean="0"/>
-              <a:t>All loading information, including classification of loads (Residential 1-6, Commercial 1-2, Industrial)</a:t>
+              <a:t>All loading information, including classification of loads (e.g. Residential 1-6, Commercial 1-2, Industrial)</a:t>
             </a:r>
           </a:p>
           <a:p>
@@ -3322,7 +3329,7 @@
         </p:spPr>
         <p:txBody>
           <a:bodyPr>
-            <a:normAutofit/>
+            <a:normAutofit fontScale="92500"/>
           </a:bodyPr>
           <a:lstStyle/>
           <a:p>
@@ -3336,7 +3343,7 @@
             </a:pPr>
             <a:r>
               <a:rPr lang="en-US" dirty="0" smtClean="0"/>
-              <a:t>Sequence components are converted to physical models using a cable type database</a:t>
+              <a:t>Sequence components are converted to physical models using a database of cable types</a:t>
             </a:r>
           </a:p>
           <a:p>
@@ -3404,9 +3411,8 @@
             </a:pPr>
             <a:r>
               <a:rPr lang="en-US" dirty="0" smtClean="0"/>
-              <a:t>Scripts checks for loops and identifies location</a:t>
-            </a:r>
-            <a:endParaRPr lang="en-US" dirty="0"/>
+              <a:t>Script does rudimentary check for loops and islands and identifies location</a:t>
+            </a:r>
           </a:p>
         </p:txBody>
       </p:sp>
@@ -3470,7 +3476,9 @@
         </p:nvSpPr>
         <p:spPr/>
         <p:txBody>
-          <a:bodyPr/>
+          <a:bodyPr>
+            <a:normAutofit fontScale="92500" lnSpcReduction="10000"/>
+          </a:bodyPr>
           <a:lstStyle/>
           <a:p>
             <a:r>
@@ -3481,7 +3489,15 @@
           <a:p>
             <a:r>
               <a:rPr lang="en-US" dirty="0" smtClean="0"/>
-              <a:t>Offline, solution is checked against CYME’s solution (typically voltage levels and power at substation)</a:t>
+              <a:t>Offline, solution is checked against CYME’s/</a:t>
+            </a:r>
+            <a:r>
+              <a:rPr lang="en-US" dirty="0" err="1" smtClean="0"/>
+              <a:t>SynerGEE’s</a:t>
+            </a:r>
+            <a:r>
+              <a:rPr lang="en-US" dirty="0" smtClean="0"/>
+              <a:t> solution (typically voltage levels and power at substation)</a:t>
             </a:r>
           </a:p>
           <a:p>
@@ -3489,6 +3505,26 @@
             <a:r>
               <a:rPr lang="en-US" dirty="0" smtClean="0"/>
               <a:t>If not within a “reasonable” accuracy, then errors must be identified and corrected</a:t>
+            </a:r>
+          </a:p>
+          <a:p>
+            <a:r>
+              <a:rPr lang="en-US" dirty="0" smtClean="0"/>
+              <a:t>Solution is checked to converge in </a:t>
+            </a:r>
+            <a:r>
+              <a:rPr lang="en-US" dirty="0" err="1" smtClean="0"/>
+              <a:t>GridLAB</a:t>
+            </a:r>
+            <a:r>
+              <a:rPr lang="en-US" dirty="0" smtClean="0"/>
+              <a:t>-D</a:t>
+            </a:r>
+          </a:p>
+          <a:p>
+            <a:r>
+              <a:rPr lang="en-US" dirty="0" smtClean="0"/>
+              <a:t>Offline, voltages from solution are checked to be within acceptable ranges (within 5% of nominal)</a:t>
             </a:r>
             <a:endParaRPr lang="en-US" dirty="0"/>
           </a:p>
@@ -3555,7 +3591,7 @@
         <p:spPr/>
         <p:txBody>
           <a:bodyPr>
-            <a:normAutofit fontScale="92500" lnSpcReduction="20000"/>
+            <a:normAutofit fontScale="77500" lnSpcReduction="20000"/>
           </a:bodyPr>
           <a:lstStyle/>
           <a:p>
@@ -3568,7 +3604,7 @@
             <a:pPr lvl="1"/>
             <a:r>
               <a:rPr lang="en-US" dirty="0" smtClean="0"/>
-              <a:t>Zero length lines are not accepted in GLD</a:t>
+              <a:t>Zero length or zero impedance lines are not accepted in GLD</a:t>
             </a:r>
           </a:p>
           <a:p>
@@ -3596,7 +3632,14 @@
             <a:pPr lvl="1"/>
             <a:r>
               <a:rPr lang="en-US" dirty="0" smtClean="0"/>
-              <a:t>“Odd” loops may need to be fixed manually</a:t>
+              <a:t>“Odd” loops may need to be fixed manually (e.g. opening a switch)</a:t>
+            </a:r>
+          </a:p>
+          <a:p>
+            <a:pPr lvl="1"/>
+            <a:r>
+              <a:rPr lang="en-US" dirty="0" smtClean="0"/>
+              <a:t>Islands may need to be attached manually (e.g. closing a switch)</a:t>
             </a:r>
           </a:p>
           <a:p>
@@ -3868,14 +3911,12 @@
         </p:nvSpPr>
         <p:spPr/>
         <p:txBody>
-          <a:bodyPr>
-            <a:normAutofit/>
-          </a:bodyPr>
+          <a:bodyPr/>
           <a:lstStyle/>
           <a:p>
             <a:r>
               <a:rPr lang="en-US" dirty="0" smtClean="0"/>
-              <a:t>Classifying loads (VVO application)</a:t>
+              <a:t>Load Classifications</a:t>
             </a:r>
             <a:endParaRPr lang="en-US" dirty="0"/>
           </a:p>
@@ -3891,382 +3932,69 @@
             <p:ph idx="1"/>
           </p:nvPr>
         </p:nvSpPr>
-        <p:spPr>
-          <a:xfrm>
-            <a:off x="457200" y="1600199"/>
-            <a:ext cx="8229600" cy="914401"/>
-          </a:xfrm>
-        </p:spPr>
+        <p:spPr/>
         <p:txBody>
           <a:bodyPr>
-            <a:normAutofit fontScale="77500" lnSpcReduction="20000"/>
+            <a:normAutofit fontScale="85000" lnSpcReduction="20000"/>
           </a:bodyPr>
           <a:lstStyle/>
           <a:p>
             <a:r>
               <a:rPr lang="en-US" dirty="0" smtClean="0"/>
-              <a:t>Loads were broken into 9 classifications</a:t>
+              <a:t>Loads can be classified by type and with varying levels of detail</a:t>
             </a:r>
           </a:p>
           <a:p>
             <a:pPr lvl="1"/>
             <a:r>
               <a:rPr lang="en-US" dirty="0" smtClean="0"/>
-              <a:t>This was done pre-PERL script and added as a comment in GLM</a:t>
+              <a:t>For example: Residential, Commercial, Industrial and Agricultural</a:t>
+            </a:r>
+            <a:endParaRPr lang="en-US" dirty="0"/>
+          </a:p>
+          <a:p>
+            <a:pPr lvl="1"/>
+            <a:r>
+              <a:rPr lang="en-US" dirty="0" smtClean="0"/>
+              <a:t>Loads types can be split up based on size, construction date, construction materials, density of occupancy (e.g. single family home vs. multi family home or apartment complex), etc.</a:t>
+            </a:r>
+          </a:p>
+          <a:p>
+            <a:r>
+              <a:rPr lang="en-US" dirty="0" smtClean="0"/>
+              <a:t>Loads will have varying profiles based on geographical region</a:t>
+            </a:r>
+          </a:p>
+          <a:p>
+            <a:pPr lvl="1"/>
+            <a:r>
+              <a:rPr lang="en-US" dirty="0" smtClean="0"/>
+              <a:t>Variation in weather and available sunlight</a:t>
+            </a:r>
+          </a:p>
+          <a:p>
+            <a:pPr lvl="1"/>
+            <a:r>
+              <a:rPr lang="en-US" dirty="0" smtClean="0"/>
+              <a:t>Differing construction materials and techniques</a:t>
+            </a:r>
+          </a:p>
+          <a:p>
+            <a:pPr lvl="1"/>
+            <a:r>
+              <a:rPr lang="en-US" dirty="0" smtClean="0"/>
+              <a:t>Differing types and amounts of heating and cooling</a:t>
             </a:r>
             <a:endParaRPr lang="en-US" dirty="0"/>
           </a:p>
         </p:txBody>
       </p:sp>
-      <p:graphicFrame>
-        <p:nvGraphicFramePr>
-          <p:cNvPr id="4" name="Table 3"/>
-          <p:cNvGraphicFramePr>
-            <a:graphicFrameLocks noGrp="1"/>
-          </p:cNvGraphicFramePr>
-          <p:nvPr/>
-        </p:nvGraphicFramePr>
-        <p:xfrm>
-          <a:off x="1104900" y="2590800"/>
-          <a:ext cx="6934200" cy="3809997"/>
-        </p:xfrm>
-        <a:graphic>
-          <a:graphicData uri="http://schemas.openxmlformats.org/drawingml/2006/table">
-            <a:tbl>
-              <a:tblPr firstRow="1" bandRow="1">
-                <a:tableStyleId>{5940675A-B579-460E-94D1-54222C63F5DA}</a:tableStyleId>
-              </a:tblPr>
-              <a:tblGrid>
-                <a:gridCol w="3467100"/>
-                <a:gridCol w="3467100"/>
-              </a:tblGrid>
-              <a:tr h="423333">
-                <a:tc>
-                  <a:txBody>
-                    <a:bodyPr/>
-                    <a:lstStyle/>
-                    <a:p>
-                      <a:r>
-                        <a:rPr lang="en-US" dirty="0" smtClean="0"/>
-                        <a:t>Residential 1</a:t>
-                      </a:r>
-                      <a:endParaRPr lang="en-US" dirty="0"/>
-                    </a:p>
-                  </a:txBody>
-                  <a:tcPr/>
-                </a:tc>
-                <a:tc>
-                  <a:txBody>
-                    <a:bodyPr/>
-                    <a:lstStyle/>
-                    <a:p>
-                      <a:r>
-                        <a:rPr lang="en-US" dirty="0" smtClean="0"/>
-                        <a:t>&lt;</a:t>
-                      </a:r>
-                      <a:r>
-                        <a:rPr lang="en-US" baseline="0" dirty="0" smtClean="0"/>
-                        <a:t> 2000 sq. ft., pre-1980</a:t>
-                      </a:r>
-                      <a:endParaRPr lang="en-US" dirty="0"/>
-                    </a:p>
-                  </a:txBody>
-                  <a:tcPr/>
-                </a:tc>
-              </a:tr>
-              <a:tr h="423333">
-                <a:tc>
-                  <a:txBody>
-                    <a:bodyPr/>
-                    <a:lstStyle/>
-                    <a:p>
-                      <a:r>
-                        <a:rPr lang="en-US" dirty="0" smtClean="0"/>
-                        <a:t>Residential</a:t>
-                      </a:r>
-                      <a:r>
-                        <a:rPr lang="en-US" baseline="0" dirty="0" smtClean="0"/>
-                        <a:t> 2</a:t>
-                      </a:r>
-                      <a:endParaRPr lang="en-US" dirty="0"/>
-                    </a:p>
-                  </a:txBody>
-                  <a:tcPr/>
-                </a:tc>
-                <a:tc>
-                  <a:txBody>
-                    <a:bodyPr/>
-                    <a:lstStyle/>
-                    <a:p>
-                      <a:r>
-                        <a:rPr lang="en-US" dirty="0" smtClean="0"/>
-                        <a:t>&lt;</a:t>
-                      </a:r>
-                      <a:r>
-                        <a:rPr lang="en-US" baseline="0" dirty="0" smtClean="0"/>
-                        <a:t> 2000 sq. ft., post-1980</a:t>
-                      </a:r>
-                      <a:endParaRPr lang="en-US" dirty="0"/>
-                    </a:p>
-                  </a:txBody>
-                  <a:tcPr/>
-                </a:tc>
-              </a:tr>
-              <a:tr h="423333">
-                <a:tc>
-                  <a:txBody>
-                    <a:bodyPr/>
-                    <a:lstStyle/>
-                    <a:p>
-                      <a:r>
-                        <a:rPr lang="en-US" dirty="0" smtClean="0"/>
-                        <a:t>Residential</a:t>
-                      </a:r>
-                      <a:r>
-                        <a:rPr lang="en-US" baseline="0" dirty="0" smtClean="0"/>
-                        <a:t> 3</a:t>
-                      </a:r>
-                      <a:endParaRPr lang="en-US" dirty="0"/>
-                    </a:p>
-                  </a:txBody>
-                  <a:tcPr/>
-                </a:tc>
-                <a:tc>
-                  <a:txBody>
-                    <a:bodyPr/>
-                    <a:lstStyle/>
-                    <a:p>
-                      <a:r>
-                        <a:rPr lang="en-US" dirty="0" smtClean="0"/>
-                        <a:t>&gt;2000 sq.</a:t>
-                      </a:r>
-                      <a:r>
-                        <a:rPr lang="en-US" baseline="0" dirty="0" smtClean="0"/>
-                        <a:t> ft., pre-1980</a:t>
-                      </a:r>
-                      <a:endParaRPr lang="en-US" dirty="0"/>
-                    </a:p>
-                  </a:txBody>
-                  <a:tcPr/>
-                </a:tc>
-              </a:tr>
-              <a:tr h="423333">
-                <a:tc>
-                  <a:txBody>
-                    <a:bodyPr/>
-                    <a:lstStyle/>
-                    <a:p>
-                      <a:r>
-                        <a:rPr lang="en-US" dirty="0" smtClean="0"/>
-                        <a:t>Residential</a:t>
-                      </a:r>
-                      <a:r>
-                        <a:rPr lang="en-US" baseline="0" dirty="0" smtClean="0"/>
-                        <a:t> 4</a:t>
-                      </a:r>
-                      <a:endParaRPr lang="en-US" dirty="0"/>
-                    </a:p>
-                  </a:txBody>
-                  <a:tcPr/>
-                </a:tc>
-                <a:tc>
-                  <a:txBody>
-                    <a:bodyPr/>
-                    <a:lstStyle/>
-                    <a:p>
-                      <a:r>
-                        <a:rPr lang="en-US" dirty="0" smtClean="0"/>
-                        <a:t>&gt;2000</a:t>
-                      </a:r>
-                      <a:r>
-                        <a:rPr lang="en-US" baseline="0" dirty="0" smtClean="0"/>
-                        <a:t> sq. ft., post-1980</a:t>
-                      </a:r>
-                      <a:endParaRPr lang="en-US" dirty="0"/>
-                    </a:p>
-                  </a:txBody>
-                  <a:tcPr/>
-                </a:tc>
-              </a:tr>
-              <a:tr h="423333">
-                <a:tc>
-                  <a:txBody>
-                    <a:bodyPr/>
-                    <a:lstStyle/>
-                    <a:p>
-                      <a:r>
-                        <a:rPr lang="en-US" dirty="0" smtClean="0"/>
-                        <a:t>Residential</a:t>
-                      </a:r>
-                      <a:r>
-                        <a:rPr lang="en-US" baseline="0" dirty="0" smtClean="0"/>
-                        <a:t> 5</a:t>
-                      </a:r>
-                      <a:endParaRPr lang="en-US" dirty="0"/>
-                    </a:p>
-                  </a:txBody>
-                  <a:tcPr/>
-                </a:tc>
-                <a:tc>
-                  <a:txBody>
-                    <a:bodyPr/>
-                    <a:lstStyle/>
-                    <a:p>
-                      <a:r>
-                        <a:rPr lang="en-US" dirty="0" smtClean="0"/>
-                        <a:t>Mobile</a:t>
-                      </a:r>
-                      <a:r>
-                        <a:rPr lang="en-US" baseline="0" dirty="0" smtClean="0"/>
-                        <a:t> Homes</a:t>
-                      </a:r>
-                      <a:endParaRPr lang="en-US" dirty="0"/>
-                    </a:p>
-                  </a:txBody>
-                  <a:tcPr/>
-                </a:tc>
-              </a:tr>
-              <a:tr h="423333">
-                <a:tc>
-                  <a:txBody>
-                    <a:bodyPr/>
-                    <a:lstStyle/>
-                    <a:p>
-                      <a:r>
-                        <a:rPr lang="en-US" dirty="0" smtClean="0"/>
-                        <a:t>Residential</a:t>
-                      </a:r>
-                      <a:r>
-                        <a:rPr lang="en-US" baseline="0" dirty="0" smtClean="0"/>
-                        <a:t> 6</a:t>
-                      </a:r>
-                      <a:endParaRPr lang="en-US" dirty="0"/>
-                    </a:p>
-                  </a:txBody>
-                  <a:tcPr/>
-                </a:tc>
-                <a:tc>
-                  <a:txBody>
-                    <a:bodyPr/>
-                    <a:lstStyle/>
-                    <a:p>
-                      <a:r>
-                        <a:rPr lang="en-US" dirty="0" smtClean="0"/>
-                        <a:t>Apartments</a:t>
-                      </a:r>
-                      <a:endParaRPr lang="en-US" dirty="0"/>
-                    </a:p>
-                  </a:txBody>
-                  <a:tcPr/>
-                </a:tc>
-              </a:tr>
-              <a:tr h="423333">
-                <a:tc>
-                  <a:txBody>
-                    <a:bodyPr/>
-                    <a:lstStyle/>
-                    <a:p>
-                      <a:r>
-                        <a:rPr lang="en-US" dirty="0" smtClean="0"/>
-                        <a:t>Commercial 1</a:t>
-                      </a:r>
-                      <a:endParaRPr lang="en-US" dirty="0"/>
-                    </a:p>
-                  </a:txBody>
-                  <a:tcPr/>
-                </a:tc>
-                <a:tc>
-                  <a:txBody>
-                    <a:bodyPr/>
-                    <a:lstStyle/>
-                    <a:p>
-                      <a:r>
-                        <a:rPr lang="en-US" dirty="0" smtClean="0"/>
-                        <a:t>Commercial loads &lt;35 </a:t>
-                      </a:r>
-                      <a:r>
-                        <a:rPr lang="en-US" dirty="0" err="1" smtClean="0"/>
-                        <a:t>kVA</a:t>
-                      </a:r>
-                      <a:endParaRPr lang="en-US" dirty="0"/>
-                    </a:p>
-                  </a:txBody>
-                  <a:tcPr/>
-                </a:tc>
-              </a:tr>
-              <a:tr h="423333">
-                <a:tc>
-                  <a:txBody>
-                    <a:bodyPr/>
-                    <a:lstStyle/>
-                    <a:p>
-                      <a:r>
-                        <a:rPr lang="en-US" dirty="0" smtClean="0"/>
-                        <a:t>Commercial</a:t>
-                      </a:r>
-                      <a:r>
-                        <a:rPr lang="en-US" baseline="0" dirty="0" smtClean="0"/>
-                        <a:t> 2</a:t>
-                      </a:r>
-                      <a:endParaRPr lang="en-US" dirty="0"/>
-                    </a:p>
-                  </a:txBody>
-                  <a:tcPr/>
-                </a:tc>
-                <a:tc>
-                  <a:txBody>
-                    <a:bodyPr/>
-                    <a:lstStyle/>
-                    <a:p>
-                      <a:r>
-                        <a:rPr lang="en-US" dirty="0" smtClean="0"/>
-                        <a:t>Commercial loads &gt;35 </a:t>
-                      </a:r>
-                      <a:r>
-                        <a:rPr lang="en-US" dirty="0" err="1" smtClean="0"/>
-                        <a:t>kVA</a:t>
-                      </a:r>
-                      <a:endParaRPr lang="en-US" dirty="0"/>
-                    </a:p>
-                  </a:txBody>
-                  <a:tcPr/>
-                </a:tc>
-              </a:tr>
-              <a:tr h="423333">
-                <a:tc>
-                  <a:txBody>
-                    <a:bodyPr/>
-                    <a:lstStyle/>
-                    <a:p>
-                      <a:r>
-                        <a:rPr lang="en-US" dirty="0" smtClean="0"/>
-                        <a:t>Industrial</a:t>
-                      </a:r>
-                      <a:endParaRPr lang="en-US" dirty="0"/>
-                    </a:p>
-                  </a:txBody>
-                  <a:tcPr/>
-                </a:tc>
-                <a:tc>
-                  <a:txBody>
-                    <a:bodyPr/>
-                    <a:lstStyle/>
-                    <a:p>
-                      <a:r>
-                        <a:rPr lang="en-US" dirty="0" smtClean="0"/>
-                        <a:t>Industrial loads</a:t>
-                      </a:r>
-                      <a:endParaRPr lang="en-US" dirty="0"/>
-                    </a:p>
-                  </a:txBody>
-                  <a:tcPr/>
-                </a:tc>
-              </a:tr>
-            </a:tbl>
-          </a:graphicData>
-        </a:graphic>
-      </p:graphicFrame>
     </p:spTree>
+    <p:extLst>
+      <p:ext uri="{BB962C8B-B14F-4D97-AF65-F5344CB8AC3E}">
+        <p14:creationId xmlns:p14="http://schemas.microsoft.com/office/powerpoint/2010/main" val="4088050149"/>
+      </p:ext>
+    </p:extLst>
   </p:cSld>
   <p:clrMapOvr>
     <a:masterClrMapping/>
@@ -4303,12 +4031,14 @@
         </p:nvSpPr>
         <p:spPr/>
         <p:txBody>
-          <a:bodyPr/>
+          <a:bodyPr>
+            <a:normAutofit/>
+          </a:bodyPr>
           <a:lstStyle/>
           <a:p>
             <a:r>
               <a:rPr lang="en-US" dirty="0" smtClean="0"/>
-              <a:t>Classifying loads</a:t>
+              <a:t>Classifying loads (Ex. 1: VVO Study)</a:t>
             </a:r>
             <a:endParaRPr lang="en-US" dirty="0"/>
           </a:p>
@@ -4326,67 +4056,379 @@
         </p:nvSpPr>
         <p:spPr>
           <a:xfrm>
-            <a:off x="457200" y="1600200"/>
-            <a:ext cx="8229600" cy="4876800"/>
+            <a:off x="457200" y="1600199"/>
+            <a:ext cx="8229600" cy="914401"/>
           </a:xfrm>
         </p:spPr>
         <p:txBody>
           <a:bodyPr>
-            <a:normAutofit/>
+            <a:normAutofit fontScale="77500" lnSpcReduction="20000"/>
           </a:bodyPr>
           <a:lstStyle/>
           <a:p>
             <a:r>
               <a:rPr lang="en-US" dirty="0" smtClean="0"/>
-              <a:t>Residential 1-6 &amp; Commercial 1 were created as a combination of building models</a:t>
+              <a:t>Loads were broken into 9 classifications</a:t>
             </a:r>
           </a:p>
           <a:p>
             <a:pPr lvl="1"/>
             <a:r>
               <a:rPr lang="en-US" dirty="0" smtClean="0"/>
-              <a:t>Spot loads were divided by variable “</a:t>
-            </a:r>
-            <a:r>
-              <a:rPr lang="en-US" dirty="0" err="1" smtClean="0"/>
-              <a:t>houseVA</a:t>
-            </a:r>
-            <a:r>
-              <a:rPr lang="en-US" dirty="0" smtClean="0"/>
-              <a:t>” and “</a:t>
-            </a:r>
-            <a:r>
-              <a:rPr lang="en-US" dirty="0" err="1" smtClean="0"/>
-              <a:t>commVA</a:t>
-            </a:r>
-            <a:r>
-              <a:rPr lang="en-US" dirty="0" smtClean="0"/>
-              <a:t>” which represented average max building consumption to create N homes at locale</a:t>
-            </a:r>
-          </a:p>
-          <a:p>
-            <a:r>
-              <a:rPr lang="en-US" dirty="0" smtClean="0"/>
-              <a:t>Commercial 2 &amp; Industrial were simple time-dependent ZIP models</a:t>
-            </a:r>
-          </a:p>
-          <a:p>
-            <a:pPr lvl="1"/>
-            <a:r>
-              <a:rPr lang="en-US" dirty="0" smtClean="0"/>
-              <a:t>Peak magnitude was equal to spot load</a:t>
-            </a:r>
-          </a:p>
-          <a:p>
-            <a:pPr lvl="1"/>
-            <a:r>
-              <a:rPr lang="en-US" dirty="0" smtClean="0"/>
-              <a:t>Time-series was created from SCADA data </a:t>
+              <a:t>This was done pre-PERL script and added as a comment in GLM</a:t>
             </a:r>
             <a:endParaRPr lang="en-US" dirty="0"/>
           </a:p>
         </p:txBody>
       </p:sp>
+      <p:graphicFrame>
+        <p:nvGraphicFramePr>
+          <p:cNvPr id="4" name="Table 3"/>
+          <p:cNvGraphicFramePr>
+            <a:graphicFrameLocks noGrp="1"/>
+          </p:cNvGraphicFramePr>
+          <p:nvPr/>
+        </p:nvGraphicFramePr>
+        <p:xfrm>
+          <a:off x="1104900" y="2590800"/>
+          <a:ext cx="6934200" cy="3809997"/>
+        </p:xfrm>
+        <a:graphic>
+          <a:graphicData uri="http://schemas.openxmlformats.org/drawingml/2006/table">
+            <a:tbl>
+              <a:tblPr firstRow="1" bandRow="1">
+                <a:tableStyleId>{5940675A-B579-460E-94D1-54222C63F5DA}</a:tableStyleId>
+              </a:tblPr>
+              <a:tblGrid>
+                <a:gridCol w="3467100"/>
+                <a:gridCol w="3467100"/>
+              </a:tblGrid>
+              <a:tr h="423333">
+                <a:tc>
+                  <a:txBody>
+                    <a:bodyPr/>
+                    <a:lstStyle/>
+                    <a:p>
+                      <a:r>
+                        <a:rPr lang="en-US" dirty="0" smtClean="0"/>
+                        <a:t>Residential 1</a:t>
+                      </a:r>
+                      <a:endParaRPr lang="en-US" dirty="0"/>
+                    </a:p>
+                  </a:txBody>
+                  <a:tcPr/>
+                </a:tc>
+                <a:tc>
+                  <a:txBody>
+                    <a:bodyPr/>
+                    <a:lstStyle/>
+                    <a:p>
+                      <a:r>
+                        <a:rPr lang="en-US" dirty="0" smtClean="0"/>
+                        <a:t>&lt;</a:t>
+                      </a:r>
+                      <a:r>
+                        <a:rPr lang="en-US" baseline="0" dirty="0" smtClean="0"/>
+                        <a:t> 2000 sq. ft., pre-1980</a:t>
+                      </a:r>
+                      <a:endParaRPr lang="en-US" dirty="0"/>
+                    </a:p>
+                  </a:txBody>
+                  <a:tcPr/>
+                </a:tc>
+              </a:tr>
+              <a:tr h="423333">
+                <a:tc>
+                  <a:txBody>
+                    <a:bodyPr/>
+                    <a:lstStyle/>
+                    <a:p>
+                      <a:r>
+                        <a:rPr lang="en-US" dirty="0" smtClean="0"/>
+                        <a:t>Residential</a:t>
+                      </a:r>
+                      <a:r>
+                        <a:rPr lang="en-US" baseline="0" dirty="0" smtClean="0"/>
+                        <a:t> 2</a:t>
+                      </a:r>
+                      <a:endParaRPr lang="en-US" dirty="0"/>
+                    </a:p>
+                  </a:txBody>
+                  <a:tcPr/>
+                </a:tc>
+                <a:tc>
+                  <a:txBody>
+                    <a:bodyPr/>
+                    <a:lstStyle/>
+                    <a:p>
+                      <a:r>
+                        <a:rPr lang="en-US" dirty="0" smtClean="0"/>
+                        <a:t>&lt;</a:t>
+                      </a:r>
+                      <a:r>
+                        <a:rPr lang="en-US" baseline="0" dirty="0" smtClean="0"/>
+                        <a:t> 2000 sq. ft., post-1980</a:t>
+                      </a:r>
+                      <a:endParaRPr lang="en-US" dirty="0"/>
+                    </a:p>
+                  </a:txBody>
+                  <a:tcPr/>
+                </a:tc>
+              </a:tr>
+              <a:tr h="423333">
+                <a:tc>
+                  <a:txBody>
+                    <a:bodyPr/>
+                    <a:lstStyle/>
+                    <a:p>
+                      <a:r>
+                        <a:rPr lang="en-US" dirty="0" smtClean="0"/>
+                        <a:t>Residential</a:t>
+                      </a:r>
+                      <a:r>
+                        <a:rPr lang="en-US" baseline="0" dirty="0" smtClean="0"/>
+                        <a:t> 3</a:t>
+                      </a:r>
+                      <a:endParaRPr lang="en-US" dirty="0"/>
+                    </a:p>
+                  </a:txBody>
+                  <a:tcPr/>
+                </a:tc>
+                <a:tc>
+                  <a:txBody>
+                    <a:bodyPr/>
+                    <a:lstStyle/>
+                    <a:p>
+                      <a:r>
+                        <a:rPr lang="en-US" dirty="0" smtClean="0"/>
+                        <a:t>&gt;2000 sq.</a:t>
+                      </a:r>
+                      <a:r>
+                        <a:rPr lang="en-US" baseline="0" dirty="0" smtClean="0"/>
+                        <a:t> ft., pre-1980</a:t>
+                      </a:r>
+                      <a:endParaRPr lang="en-US" dirty="0"/>
+                    </a:p>
+                  </a:txBody>
+                  <a:tcPr/>
+                </a:tc>
+              </a:tr>
+              <a:tr h="423333">
+                <a:tc>
+                  <a:txBody>
+                    <a:bodyPr/>
+                    <a:lstStyle/>
+                    <a:p>
+                      <a:r>
+                        <a:rPr lang="en-US" dirty="0" smtClean="0"/>
+                        <a:t>Residential</a:t>
+                      </a:r>
+                      <a:r>
+                        <a:rPr lang="en-US" baseline="0" dirty="0" smtClean="0"/>
+                        <a:t> 4</a:t>
+                      </a:r>
+                      <a:endParaRPr lang="en-US" dirty="0"/>
+                    </a:p>
+                  </a:txBody>
+                  <a:tcPr/>
+                </a:tc>
+                <a:tc>
+                  <a:txBody>
+                    <a:bodyPr/>
+                    <a:lstStyle/>
+                    <a:p>
+                      <a:r>
+                        <a:rPr lang="en-US" dirty="0" smtClean="0"/>
+                        <a:t>&gt;2000</a:t>
+                      </a:r>
+                      <a:r>
+                        <a:rPr lang="en-US" baseline="0" dirty="0" smtClean="0"/>
+                        <a:t> sq. ft., post-1980</a:t>
+                      </a:r>
+                      <a:endParaRPr lang="en-US" dirty="0"/>
+                    </a:p>
+                  </a:txBody>
+                  <a:tcPr/>
+                </a:tc>
+              </a:tr>
+              <a:tr h="423333">
+                <a:tc>
+                  <a:txBody>
+                    <a:bodyPr/>
+                    <a:lstStyle/>
+                    <a:p>
+                      <a:r>
+                        <a:rPr lang="en-US" dirty="0" smtClean="0"/>
+                        <a:t>Residential</a:t>
+                      </a:r>
+                      <a:r>
+                        <a:rPr lang="en-US" baseline="0" dirty="0" smtClean="0"/>
+                        <a:t> 5</a:t>
+                      </a:r>
+                      <a:endParaRPr lang="en-US" dirty="0"/>
+                    </a:p>
+                  </a:txBody>
+                  <a:tcPr/>
+                </a:tc>
+                <a:tc>
+                  <a:txBody>
+                    <a:bodyPr/>
+                    <a:lstStyle/>
+                    <a:p>
+                      <a:r>
+                        <a:rPr lang="en-US" dirty="0" smtClean="0"/>
+                        <a:t>Mobile</a:t>
+                      </a:r>
+                      <a:r>
+                        <a:rPr lang="en-US" baseline="0" dirty="0" smtClean="0"/>
+                        <a:t> Homes</a:t>
+                      </a:r>
+                      <a:endParaRPr lang="en-US" dirty="0"/>
+                    </a:p>
+                  </a:txBody>
+                  <a:tcPr/>
+                </a:tc>
+              </a:tr>
+              <a:tr h="423333">
+                <a:tc>
+                  <a:txBody>
+                    <a:bodyPr/>
+                    <a:lstStyle/>
+                    <a:p>
+                      <a:r>
+                        <a:rPr lang="en-US" dirty="0" smtClean="0"/>
+                        <a:t>Residential</a:t>
+                      </a:r>
+                      <a:r>
+                        <a:rPr lang="en-US" baseline="0" dirty="0" smtClean="0"/>
+                        <a:t> 6</a:t>
+                      </a:r>
+                      <a:endParaRPr lang="en-US" dirty="0"/>
+                    </a:p>
+                  </a:txBody>
+                  <a:tcPr/>
+                </a:tc>
+                <a:tc>
+                  <a:txBody>
+                    <a:bodyPr/>
+                    <a:lstStyle/>
+                    <a:p>
+                      <a:r>
+                        <a:rPr lang="en-US" dirty="0" smtClean="0"/>
+                        <a:t>Apartments</a:t>
+                      </a:r>
+                      <a:endParaRPr lang="en-US" dirty="0"/>
+                    </a:p>
+                  </a:txBody>
+                  <a:tcPr/>
+                </a:tc>
+              </a:tr>
+              <a:tr h="423333">
+                <a:tc>
+                  <a:txBody>
+                    <a:bodyPr/>
+                    <a:lstStyle/>
+                    <a:p>
+                      <a:r>
+                        <a:rPr lang="en-US" dirty="0" smtClean="0"/>
+                        <a:t>Commercial 1</a:t>
+                      </a:r>
+                      <a:endParaRPr lang="en-US" dirty="0"/>
+                    </a:p>
+                  </a:txBody>
+                  <a:tcPr/>
+                </a:tc>
+                <a:tc>
+                  <a:txBody>
+                    <a:bodyPr/>
+                    <a:lstStyle/>
+                    <a:p>
+                      <a:r>
+                        <a:rPr lang="en-US" dirty="0" smtClean="0"/>
+                        <a:t>Commercial loads &lt;35 </a:t>
+                      </a:r>
+                      <a:r>
+                        <a:rPr lang="en-US" dirty="0" err="1" smtClean="0"/>
+                        <a:t>kVA</a:t>
+                      </a:r>
+                      <a:endParaRPr lang="en-US" dirty="0"/>
+                    </a:p>
+                  </a:txBody>
+                  <a:tcPr/>
+                </a:tc>
+              </a:tr>
+              <a:tr h="423333">
+                <a:tc>
+                  <a:txBody>
+                    <a:bodyPr/>
+                    <a:lstStyle/>
+                    <a:p>
+                      <a:r>
+                        <a:rPr lang="en-US" dirty="0" smtClean="0"/>
+                        <a:t>Commercial</a:t>
+                      </a:r>
+                      <a:r>
+                        <a:rPr lang="en-US" baseline="0" dirty="0" smtClean="0"/>
+                        <a:t> 2</a:t>
+                      </a:r>
+                      <a:endParaRPr lang="en-US" dirty="0"/>
+                    </a:p>
+                  </a:txBody>
+                  <a:tcPr/>
+                </a:tc>
+                <a:tc>
+                  <a:txBody>
+                    <a:bodyPr/>
+                    <a:lstStyle/>
+                    <a:p>
+                      <a:r>
+                        <a:rPr lang="en-US" dirty="0" smtClean="0"/>
+                        <a:t>Commercial loads &gt;35 </a:t>
+                      </a:r>
+                      <a:r>
+                        <a:rPr lang="en-US" dirty="0" err="1" smtClean="0"/>
+                        <a:t>kVA</a:t>
+                      </a:r>
+                      <a:endParaRPr lang="en-US" dirty="0"/>
+                    </a:p>
+                  </a:txBody>
+                  <a:tcPr/>
+                </a:tc>
+              </a:tr>
+              <a:tr h="423333">
+                <a:tc>
+                  <a:txBody>
+                    <a:bodyPr/>
+                    <a:lstStyle/>
+                    <a:p>
+                      <a:r>
+                        <a:rPr lang="en-US" dirty="0" smtClean="0"/>
+                        <a:t>Industrial</a:t>
+                      </a:r>
+                      <a:endParaRPr lang="en-US" dirty="0"/>
+                    </a:p>
+                  </a:txBody>
+                  <a:tcPr/>
+                </a:tc>
+                <a:tc>
+                  <a:txBody>
+                    <a:bodyPr/>
+                    <a:lstStyle/>
+                    <a:p>
+                      <a:r>
+                        <a:rPr lang="en-US" dirty="0" smtClean="0"/>
+                        <a:t>Industrial loads</a:t>
+                      </a:r>
+                      <a:endParaRPr lang="en-US" dirty="0"/>
+                    </a:p>
+                  </a:txBody>
+                  <a:tcPr/>
+                </a:tc>
+              </a:tr>
+            </a:tbl>
+          </a:graphicData>
+        </a:graphic>
+      </p:graphicFrame>
     </p:spTree>
   </p:cSld>
   <p:clrMapOvr>
@@ -4429,7 +4471,7 @@
           <a:p>
             <a:r>
               <a:rPr lang="en-US" dirty="0" smtClean="0"/>
-              <a:t>Creating loads – C2 &amp; I</a:t>
+              <a:t>Classifying loads</a:t>
             </a:r>
             <a:endParaRPr lang="en-US" dirty="0"/>
           </a:p>
@@ -4447,65 +4489,67 @@
         </p:nvSpPr>
         <p:spPr>
           <a:xfrm>
-            <a:off x="457200" y="1600201"/>
-            <a:ext cx="8229600" cy="1676400"/>
+            <a:off x="457200" y="1600200"/>
+            <a:ext cx="8229600" cy="4876800"/>
           </a:xfrm>
         </p:spPr>
         <p:txBody>
-          <a:bodyPr/>
+          <a:bodyPr>
+            <a:normAutofit/>
+          </a:bodyPr>
           <a:lstStyle/>
           <a:p>
             <a:r>
               <a:rPr lang="en-US" dirty="0" smtClean="0"/>
-              <a:t>Normalized load player files created using SCADA data for each feeder (max </a:t>
-            </a:r>
-            <a:r>
-              <a:rPr lang="en-US" i="1" dirty="0" smtClean="0"/>
-              <a:t>reasonable</a:t>
-            </a:r>
+              <a:t>Residential 1-6 &amp; Commercial 1 were created as a combination of building models</a:t>
+            </a:r>
+          </a:p>
+          <a:p>
+            <a:pPr lvl="1"/>
             <a:r>
               <a:rPr lang="en-US" dirty="0" smtClean="0"/>
-              <a:t> value = 1) </a:t>
-            </a:r>
-          </a:p>
-          <a:p>
-            <a:endParaRPr lang="en-US" dirty="0" smtClean="0"/>
+              <a:t>Spot loads were divided by variable “</a:t>
+            </a:r>
+            <a:r>
+              <a:rPr lang="en-US" dirty="0" err="1" smtClean="0"/>
+              <a:t>houseVA</a:t>
+            </a:r>
+            <a:r>
+              <a:rPr lang="en-US" dirty="0" smtClean="0"/>
+              <a:t>” and “</a:t>
+            </a:r>
+            <a:r>
+              <a:rPr lang="en-US" dirty="0" err="1" smtClean="0"/>
+              <a:t>commVA</a:t>
+            </a:r>
+            <a:r>
+              <a:rPr lang="en-US" dirty="0" smtClean="0"/>
+              <a:t>” which represented average max building consumption to create N homes at locale</a:t>
+            </a:r>
+          </a:p>
+          <a:p>
+            <a:r>
+              <a:rPr lang="en-US" dirty="0" smtClean="0"/>
+              <a:t>Commercial 2 &amp; Industrial were simple time-dependent ZIP models</a:t>
+            </a:r>
+          </a:p>
+          <a:p>
+            <a:pPr lvl="1"/>
+            <a:r>
+              <a:rPr lang="en-US" dirty="0" smtClean="0"/>
+              <a:t>Peak magnitude was equal to spot load</a:t>
+            </a:r>
+          </a:p>
+          <a:p>
+            <a:pPr lvl="1"/>
+            <a:r>
+              <a:rPr lang="en-US" dirty="0" smtClean="0"/>
+              <a:t>Time-series was created from SCADA data </a:t>
+            </a:r>
+            <a:endParaRPr lang="en-US" dirty="0"/>
           </a:p>
         </p:txBody>
       </p:sp>
-      <p:pic>
-        <p:nvPicPr>
-          <p:cNvPr id="1027" name="Picture 3"/>
-          <p:cNvPicPr>
-            <a:picLocks noChangeAspect="1" noChangeArrowheads="1"/>
-          </p:cNvPicPr>
-          <p:nvPr/>
-        </p:nvPicPr>
-        <p:blipFill>
-          <a:blip r:embed="rId2" cstate="print"/>
-          <a:srcRect/>
-          <a:stretch>
-            <a:fillRect/>
-          </a:stretch>
-        </p:blipFill>
-        <p:spPr bwMode="auto">
-          <a:xfrm>
-            <a:off x="762000" y="3429000"/>
-            <a:ext cx="7429500" cy="2905125"/>
-          </a:xfrm>
-          <a:prstGeom prst="rect">
-            <a:avLst/>
-          </a:prstGeom>
-          <a:noFill/>
-          <a:ln w="9525">
-            <a:noFill/>
-            <a:miter lim="800000"/>
-            <a:headEnd/>
-            <a:tailEnd/>
-          </a:ln>
-          <a:effectLst/>
-        </p:spPr>
-      </p:pic>
     </p:spTree>
   </p:cSld>
   <p:clrMapOvr>
@@ -4618,7 +4662,7 @@
             </a:r>
             <a:r>
               <a:rPr lang="en-US" dirty="0" err="1" smtClean="0"/>
-              <a:t>matlab</a:t>
+              <a:t>Matlab</a:t>
             </a:r>
             <a:r>
               <a:rPr lang="en-US" dirty="0" smtClean="0"/>
@@ -4638,12 +4682,12 @@
               <a:t>Populate GLM with additional technologies (</a:t>
             </a:r>
             <a:r>
-              <a:rPr lang="en-US" dirty="0" err="1" smtClean="0"/>
-              <a:t>matlab</a:t>
+              <a:rPr lang="en-US" smtClean="0"/>
+              <a:t>Matlab </a:t>
             </a:r>
             <a:r>
               <a:rPr lang="en-US" dirty="0" smtClean="0"/>
-              <a:t> script)</a:t>
+              <a:t>script)</a:t>
             </a:r>
           </a:p>
           <a:p>
@@ -4719,6 +4763,125 @@
             <p:ph idx="1"/>
           </p:nvPr>
         </p:nvSpPr>
+        <p:spPr>
+          <a:xfrm>
+            <a:off x="457200" y="1600201"/>
+            <a:ext cx="8229600" cy="1676400"/>
+          </a:xfrm>
+        </p:spPr>
+        <p:txBody>
+          <a:bodyPr/>
+          <a:lstStyle/>
+          <a:p>
+            <a:r>
+              <a:rPr lang="en-US" dirty="0" smtClean="0"/>
+              <a:t>Normalized load player files created using SCADA data for each feeder (max </a:t>
+            </a:r>
+            <a:r>
+              <a:rPr lang="en-US" i="1" dirty="0" smtClean="0"/>
+              <a:t>reasonable</a:t>
+            </a:r>
+            <a:r>
+              <a:rPr lang="en-US" dirty="0" smtClean="0"/>
+              <a:t> value = 1) </a:t>
+            </a:r>
+          </a:p>
+          <a:p>
+            <a:endParaRPr lang="en-US" dirty="0" smtClean="0"/>
+          </a:p>
+        </p:txBody>
+      </p:sp>
+      <p:pic>
+        <p:nvPicPr>
+          <p:cNvPr id="1027" name="Picture 3"/>
+          <p:cNvPicPr>
+            <a:picLocks noChangeAspect="1" noChangeArrowheads="1"/>
+          </p:cNvPicPr>
+          <p:nvPr/>
+        </p:nvPicPr>
+        <p:blipFill>
+          <a:blip r:embed="rId2" cstate="print"/>
+          <a:srcRect/>
+          <a:stretch>
+            <a:fillRect/>
+          </a:stretch>
+        </p:blipFill>
+        <p:spPr bwMode="auto">
+          <a:xfrm>
+            <a:off x="762000" y="3429000"/>
+            <a:ext cx="7429500" cy="2905125"/>
+          </a:xfrm>
+          <a:prstGeom prst="rect">
+            <a:avLst/>
+          </a:prstGeom>
+          <a:noFill/>
+          <a:ln w="9525">
+            <a:noFill/>
+            <a:miter lim="800000"/>
+            <a:headEnd/>
+            <a:tailEnd/>
+          </a:ln>
+          <a:effectLst/>
+        </p:spPr>
+      </p:pic>
+    </p:spTree>
+  </p:cSld>
+  <p:clrMapOvr>
+    <a:masterClrMapping/>
+  </p:clrMapOvr>
+</p:sld>
+</file>
+
+<file path=ppt/slides/slide21.xml><?xml version="1.0" encoding="utf-8"?>
+<p:sld xmlns:a="http://schemas.openxmlformats.org/drawingml/2006/main" xmlns:r="http://schemas.openxmlformats.org/officeDocument/2006/relationships" xmlns:p="http://schemas.openxmlformats.org/presentationml/2006/main">
+  <p:cSld>
+    <p:spTree>
+      <p:nvGrpSpPr>
+        <p:cNvPr id="1" name=""/>
+        <p:cNvGrpSpPr/>
+        <p:nvPr/>
+      </p:nvGrpSpPr>
+      <p:grpSpPr>
+        <a:xfrm>
+          <a:off x="0" y="0"/>
+          <a:ext cx="0" cy="0"/>
+          <a:chOff x="0" y="0"/>
+          <a:chExt cx="0" cy="0"/>
+        </a:xfrm>
+      </p:grpSpPr>
+      <p:sp>
+        <p:nvSpPr>
+          <p:cNvPr id="2" name="Title 1"/>
+          <p:cNvSpPr>
+            <a:spLocks noGrp="1"/>
+          </p:cNvSpPr>
+          <p:nvPr>
+            <p:ph type="title"/>
+          </p:nvPr>
+        </p:nvSpPr>
+        <p:spPr/>
+        <p:txBody>
+          <a:bodyPr/>
+          <a:lstStyle/>
+          <a:p>
+            <a:r>
+              <a:rPr lang="en-US" dirty="0" smtClean="0"/>
+              <a:t>Creating loads – C2 &amp; I</a:t>
+            </a:r>
+            <a:endParaRPr lang="en-US" dirty="0"/>
+          </a:p>
+        </p:txBody>
+      </p:sp>
+      <p:sp>
+        <p:nvSpPr>
+          <p:cNvPr id="3" name="Content Placeholder 2"/>
+          <p:cNvSpPr>
+            <a:spLocks noGrp="1"/>
+          </p:cNvSpPr>
+          <p:nvPr>
+            <p:ph idx="1"/>
+          </p:nvPr>
+        </p:nvSpPr>
         <p:spPr/>
         <p:txBody>
           <a:bodyPr>
@@ -4844,7 +5007,7 @@
 </p:sld>
 </file>
 
-<file path=ppt/slides/slide21.xml><?xml version="1.0" encoding="utf-8"?>
+<file path=ppt/slides/slide22.xml><?xml version="1.0" encoding="utf-8"?>
 <p:sld xmlns:a="http://schemas.openxmlformats.org/drawingml/2006/main" xmlns:r="http://schemas.openxmlformats.org/officeDocument/2006/relationships" xmlns:p="http://schemas.openxmlformats.org/presentationml/2006/main">
   <p:cSld>
     <p:spTree>
@@ -4939,129 +5102,9 @@
           <a:p>
             <a:r>
               <a:rPr lang="en-US" dirty="0" smtClean="0"/>
-              <a:t>Single 3-phase load look like:</a:t>
+              <a:t>Single 3-phase load looks like:</a:t>
             </a:r>
             <a:endParaRPr lang="en-US" dirty="0"/>
-          </a:p>
-        </p:txBody>
-      </p:sp>
-    </p:spTree>
-  </p:cSld>
-  <p:clrMapOvr>
-    <a:masterClrMapping/>
-  </p:clrMapOvr>
-</p:sld>
-</file>
-
-<file path=ppt/slides/slide22.xml><?xml version="1.0" encoding="utf-8"?>
-<p:sld xmlns:a="http://schemas.openxmlformats.org/drawingml/2006/main" xmlns:r="http://schemas.openxmlformats.org/officeDocument/2006/relationships" xmlns:p="http://schemas.openxmlformats.org/presentationml/2006/main">
-  <p:cSld>
-    <p:spTree>
-      <p:nvGrpSpPr>
-        <p:cNvPr id="1" name=""/>
-        <p:cNvGrpSpPr/>
-        <p:nvPr/>
-      </p:nvGrpSpPr>
-      <p:grpSpPr>
-        <a:xfrm>
-          <a:off x="0" y="0"/>
-          <a:ext cx="0" cy="0"/>
-          <a:chOff x="0" y="0"/>
-          <a:chExt cx="0" cy="0"/>
-        </a:xfrm>
-      </p:grpSpPr>
-      <p:sp>
-        <p:nvSpPr>
-          <p:cNvPr id="2" name="Title 1"/>
-          <p:cNvSpPr>
-            <a:spLocks noGrp="1"/>
-          </p:cNvSpPr>
-          <p:nvPr>
-            <p:ph type="title"/>
-          </p:nvPr>
-        </p:nvSpPr>
-        <p:spPr/>
-        <p:txBody>
-          <a:bodyPr/>
-          <a:lstStyle/>
-          <a:p>
-            <a:r>
-              <a:rPr lang="en-US" dirty="0" smtClean="0"/>
-              <a:t>Creating loads – R1-R6 &amp; C1</a:t>
-            </a:r>
-            <a:endParaRPr lang="en-US" dirty="0"/>
-          </a:p>
-        </p:txBody>
-      </p:sp>
-      <p:sp>
-        <p:nvSpPr>
-          <p:cNvPr id="3" name="Content Placeholder 2"/>
-          <p:cNvSpPr>
-            <a:spLocks noGrp="1"/>
-          </p:cNvSpPr>
-          <p:nvPr>
-            <p:ph idx="1"/>
-          </p:nvPr>
-        </p:nvSpPr>
-        <p:spPr>
-          <a:xfrm>
-            <a:off x="457200" y="1600200"/>
-            <a:ext cx="8229600" cy="5257800"/>
-          </a:xfrm>
-        </p:spPr>
-        <p:txBody>
-          <a:bodyPr>
-            <a:normAutofit lnSpcReduction="10000"/>
-          </a:bodyPr>
-          <a:lstStyle/>
-          <a:p>
-            <a:r>
-              <a:rPr lang="en-US" dirty="0" smtClean="0"/>
-              <a:t>Each classification had ranges of parameters:</a:t>
-            </a:r>
-          </a:p>
-          <a:p>
-            <a:pPr lvl="1"/>
-            <a:r>
-              <a:rPr lang="en-US" dirty="0" smtClean="0"/>
-              <a:t>Older homes had low UA values and inefficient HVACs ( e.g. </a:t>
-            </a:r>
-            <a:r>
-              <a:rPr lang="en-US" dirty="0" err="1" smtClean="0"/>
-              <a:t>Rroof</a:t>
-            </a:r>
-            <a:r>
-              <a:rPr lang="en-US" dirty="0" smtClean="0"/>
-              <a:t> = U(10,24) while new U(20,50) )</a:t>
-            </a:r>
-          </a:p>
-          <a:p>
-            <a:pPr lvl="1"/>
-            <a:r>
-              <a:rPr lang="en-US" dirty="0" smtClean="0"/>
-              <a:t>Larger homes used U(2000,3500) sq. ft.; smaller homes used U(500,2000) sq. ft.</a:t>
-            </a:r>
-            <a:endParaRPr lang="en-US" dirty="0"/>
-          </a:p>
-          <a:p>
-            <a:r>
-              <a:rPr lang="en-US" dirty="0" smtClean="0"/>
-              <a:t>Penetration of HVAC types (e.g. gas v. resistive heat) came from utility survey data</a:t>
-            </a:r>
-          </a:p>
-          <a:p>
-            <a:pPr lvl="1"/>
-            <a:r>
-              <a:rPr lang="en-US" dirty="0" smtClean="0"/>
-              <a:t>Where possible, other appliance survey data was used (e.g. gas v. electric water heaters)</a:t>
-            </a:r>
-          </a:p>
-          <a:p>
-            <a:pPr lvl="1"/>
-            <a:r>
-              <a:rPr lang="en-US" dirty="0" smtClean="0"/>
-              <a:t>HVAC and water heaters explicitly created; other appliances as ZIP models</a:t>
-            </a:r>
           </a:p>
         </p:txBody>
       </p:sp>
@@ -5107,7 +5150,129 @@
           <a:p>
             <a:r>
               <a:rPr lang="en-US" dirty="0" smtClean="0"/>
-              <a:t>Classifying Loads (SGIG study)</a:t>
+              <a:t>Creating loads – R1-R6 &amp; C1</a:t>
+            </a:r>
+            <a:endParaRPr lang="en-US" dirty="0"/>
+          </a:p>
+        </p:txBody>
+      </p:sp>
+      <p:sp>
+        <p:nvSpPr>
+          <p:cNvPr id="3" name="Content Placeholder 2"/>
+          <p:cNvSpPr>
+            <a:spLocks noGrp="1"/>
+          </p:cNvSpPr>
+          <p:nvPr>
+            <p:ph idx="1"/>
+          </p:nvPr>
+        </p:nvSpPr>
+        <p:spPr>
+          <a:xfrm>
+            <a:off x="457200" y="1600200"/>
+            <a:ext cx="8229600" cy="5257800"/>
+          </a:xfrm>
+        </p:spPr>
+        <p:txBody>
+          <a:bodyPr>
+            <a:normAutofit lnSpcReduction="10000"/>
+          </a:bodyPr>
+          <a:lstStyle/>
+          <a:p>
+            <a:r>
+              <a:rPr lang="en-US" dirty="0" smtClean="0"/>
+              <a:t>Each classification had ranges of parameters:</a:t>
+            </a:r>
+          </a:p>
+          <a:p>
+            <a:pPr lvl="1"/>
+            <a:r>
+              <a:rPr lang="en-US" dirty="0" smtClean="0"/>
+              <a:t>Older homes had low UA values and inefficient HVACs ( e.g. </a:t>
+            </a:r>
+            <a:r>
+              <a:rPr lang="en-US" dirty="0" err="1" smtClean="0"/>
+              <a:t>Rroof</a:t>
+            </a:r>
+            <a:r>
+              <a:rPr lang="en-US" dirty="0" smtClean="0"/>
+              <a:t> = U(10,24) while new U(20,50) )</a:t>
+            </a:r>
+          </a:p>
+          <a:p>
+            <a:pPr lvl="1"/>
+            <a:r>
+              <a:rPr lang="en-US" dirty="0" smtClean="0"/>
+              <a:t>Larger homes used U(2000,3500) sq. ft.; smaller homes used U(500,2000) sq. ft.</a:t>
+            </a:r>
+            <a:endParaRPr lang="en-US" dirty="0"/>
+          </a:p>
+          <a:p>
+            <a:r>
+              <a:rPr lang="en-US" dirty="0" smtClean="0"/>
+              <a:t>Penetration of HVAC types (e.g. gas v. resistive heat) came from utility survey data</a:t>
+            </a:r>
+          </a:p>
+          <a:p>
+            <a:pPr lvl="1"/>
+            <a:r>
+              <a:rPr lang="en-US" dirty="0" smtClean="0"/>
+              <a:t>Where possible, other appliance survey data was used (e.g. gas v. electric water heaters)</a:t>
+            </a:r>
+          </a:p>
+          <a:p>
+            <a:pPr lvl="1"/>
+            <a:r>
+              <a:rPr lang="en-US" dirty="0" smtClean="0"/>
+              <a:t>HVAC and water heaters explicitly created; other appliances as ZIP models</a:t>
+            </a:r>
+          </a:p>
+        </p:txBody>
+      </p:sp>
+    </p:spTree>
+  </p:cSld>
+  <p:clrMapOvr>
+    <a:masterClrMapping/>
+  </p:clrMapOvr>
+</p:sld>
+</file>
+
+<file path=ppt/slides/slide24.xml><?xml version="1.0" encoding="utf-8"?>
+<p:sld xmlns:a="http://schemas.openxmlformats.org/drawingml/2006/main" xmlns:r="http://schemas.openxmlformats.org/officeDocument/2006/relationships" xmlns:p="http://schemas.openxmlformats.org/presentationml/2006/main">
+  <p:cSld>
+    <p:spTree>
+      <p:nvGrpSpPr>
+        <p:cNvPr id="1" name=""/>
+        <p:cNvGrpSpPr/>
+        <p:nvPr/>
+      </p:nvGrpSpPr>
+      <p:grpSpPr>
+        <a:xfrm>
+          <a:off x="0" y="0"/>
+          <a:ext cx="0" cy="0"/>
+          <a:chOff x="0" y="0"/>
+          <a:chExt cx="0" cy="0"/>
+        </a:xfrm>
+      </p:grpSpPr>
+      <p:sp>
+        <p:nvSpPr>
+          <p:cNvPr id="2" name="Title 1"/>
+          <p:cNvSpPr>
+            <a:spLocks noGrp="1"/>
+          </p:cNvSpPr>
+          <p:nvPr>
+            <p:ph type="title"/>
+          </p:nvPr>
+        </p:nvSpPr>
+        <p:spPr/>
+        <p:txBody>
+          <a:bodyPr>
+            <a:normAutofit fontScale="90000"/>
+          </a:bodyPr>
+          <a:lstStyle/>
+          <a:p>
+            <a:r>
+              <a:rPr lang="en-US" dirty="0" smtClean="0"/>
+              <a:t>Classifying Loads (Ex. 2: SGIG study)</a:t>
             </a:r>
             <a:endParaRPr lang="en-US" dirty="0"/>
           </a:p>
@@ -5130,7 +5295,9 @@
           </a:xfrm>
         </p:spPr>
         <p:txBody>
-          <a:bodyPr/>
+          <a:bodyPr>
+            <a:normAutofit fontScale="92500" lnSpcReduction="20000"/>
+          </a:bodyPr>
           <a:lstStyle/>
           <a:p>
             <a:r>
@@ -5143,6 +5310,27 @@
             <a:r>
               <a:rPr lang="en-US" dirty="0" smtClean="0"/>
               <a:t>Distribution of key parameters driven by EIA statistics</a:t>
+            </a:r>
+          </a:p>
+          <a:p>
+            <a:pPr lvl="1"/>
+            <a:r>
+              <a:rPr lang="en-US" dirty="0" smtClean="0"/>
+              <a:t>Residential loads classified similarly to the previous example.</a:t>
+            </a:r>
+          </a:p>
+          <a:p>
+            <a:pPr lvl="1"/>
+            <a:r>
+              <a:rPr lang="en-US" dirty="0" smtClean="0"/>
+              <a:t>Commercial loads are classified differently (Strip Mall, Big Box and Office Building)</a:t>
+            </a:r>
+          </a:p>
+          <a:p>
+            <a:pPr lvl="1"/>
+            <a:r>
+              <a:rPr lang="en-US" dirty="0" smtClean="0"/>
+              <a:t>No industrial or agricultural loads are classified</a:t>
             </a:r>
           </a:p>
           <a:p>
@@ -5173,7 +5361,7 @@
 </p:sld>
 </file>
 
-<file path=ppt/slides/slide24.xml><?xml version="1.0" encoding="utf-8"?>
+<file path=ppt/slides/slide25.xml><?xml version="1.0" encoding="utf-8"?>
 <p:sld xmlns:a="http://schemas.openxmlformats.org/drawingml/2006/main" xmlns:r="http://schemas.openxmlformats.org/officeDocument/2006/relationships" xmlns:p="http://schemas.openxmlformats.org/presentationml/2006/main">
   <p:cSld>
     <p:spTree>
@@ -5445,7 +5633,7 @@
 </p:sld>
 </file>
 
-<file path=ppt/slides/slide25.xml><?xml version="1.0" encoding="utf-8"?>
+<file path=ppt/slides/slide26.xml><?xml version="1.0" encoding="utf-8"?>
 <p:sld xmlns:a="http://schemas.openxmlformats.org/drawingml/2006/main" xmlns:r="http://schemas.openxmlformats.org/officeDocument/2006/relationships" xmlns:p="http://schemas.openxmlformats.org/presentationml/2006/main">
   <p:cSld>
     <p:spTree>
@@ -7594,7 +7782,7 @@
 </p:sld>
 </file>
 
-<file path=ppt/slides/slide26.xml><?xml version="1.0" encoding="utf-8"?>
+<file path=ppt/slides/slide27.xml><?xml version="1.0" encoding="utf-8"?>
 <p:sld xmlns:a="http://schemas.openxmlformats.org/drawingml/2006/main" xmlns:r="http://schemas.openxmlformats.org/officeDocument/2006/relationships" xmlns:p="http://schemas.openxmlformats.org/presentationml/2006/main">
   <p:cSld>
     <p:spTree>
@@ -7801,7 +7989,7 @@
 </p:sld>
 </file>
 
-<file path=ppt/slides/slide27.xml><?xml version="1.0" encoding="utf-8"?>
+<file path=ppt/slides/slide28.xml><?xml version="1.0" encoding="utf-8"?>
 <p:sld xmlns:a="http://schemas.openxmlformats.org/drawingml/2006/main" xmlns:r="http://schemas.openxmlformats.org/officeDocument/2006/relationships" xmlns:p="http://schemas.openxmlformats.org/presentationml/2006/main">
   <p:cSld>
     <p:spTree>
@@ -13929,7 +14117,7 @@
 </p:sld>
 </file>
 
-<file path=ppt/slides/slide28.xml><?xml version="1.0" encoding="utf-8"?>
+<file path=ppt/slides/slide29.xml><?xml version="1.0" encoding="utf-8"?>
 <p:sld xmlns:a="http://schemas.openxmlformats.org/drawingml/2006/main" xmlns:r="http://schemas.openxmlformats.org/officeDocument/2006/relationships" xmlns:p="http://schemas.openxmlformats.org/presentationml/2006/main">
   <p:cSld>
     <p:spTree>
@@ -18000,66 +18188,6 @@
     <p:extLst>
       <p:ext uri="{BB962C8B-B14F-4D97-AF65-F5344CB8AC3E}">
         <p14:creationId xmlns:p14="http://schemas.microsoft.com/office/powerpoint/2010/main" val="956214662"/>
-      </p:ext>
-    </p:extLst>
-  </p:cSld>
-  <p:clrMapOvr>
-    <a:masterClrMapping/>
-  </p:clrMapOvr>
-</p:sld>
-</file>
-
-<file path=ppt/slides/slide29.xml><?xml version="1.0" encoding="utf-8"?>
-<p:sld xmlns:a="http://schemas.openxmlformats.org/drawingml/2006/main" xmlns:r="http://schemas.openxmlformats.org/officeDocument/2006/relationships" xmlns:p="http://schemas.openxmlformats.org/presentationml/2006/main">
-  <p:cSld>
-    <p:spTree>
-      <p:nvGrpSpPr>
-        <p:cNvPr id="1" name=""/>
-        <p:cNvGrpSpPr/>
-        <p:nvPr/>
-      </p:nvGrpSpPr>
-      <p:grpSpPr>
-        <a:xfrm>
-          <a:off x="0" y="0"/>
-          <a:ext cx="0" cy="0"/>
-          <a:chOff x="0" y="0"/>
-          <a:chExt cx="0" cy="0"/>
-        </a:xfrm>
-      </p:grpSpPr>
-      <p:sp>
-        <p:nvSpPr>
-          <p:cNvPr id="2" name="Title 1"/>
-          <p:cNvSpPr>
-            <a:spLocks noGrp="1"/>
-          </p:cNvSpPr>
-          <p:nvPr>
-            <p:ph type="ctrTitle"/>
-          </p:nvPr>
-        </p:nvSpPr>
-        <p:spPr/>
-        <p:txBody>
-          <a:bodyPr/>
-          <a:lstStyle/>
-          <a:p>
-            <a:r>
-              <a:rPr lang="en-US" dirty="0" smtClean="0"/>
-              <a:t>Populating Feeders:</a:t>
-            </a:r>
-            <a:br>
-              <a:rPr lang="en-US" dirty="0" smtClean="0"/>
-            </a:br>
-            <a:r>
-              <a:rPr lang="en-US" dirty="0" smtClean="0"/>
-              <a:t>Physical System</a:t>
-            </a:r>
-            <a:endParaRPr lang="en-US" dirty="0"/>
-          </a:p>
-        </p:txBody>
-      </p:sp>
-    </p:spTree>
-    <p:extLst>
-      <p:ext uri="{BB962C8B-B14F-4D97-AF65-F5344CB8AC3E}">
-        <p14:creationId xmlns:p14="http://schemas.microsoft.com/office/powerpoint/2010/main" val="4146447630"/>
       </p:ext>
     </p:extLst>
   </p:cSld>
@@ -18106,9 +18234,9 @@
           </a:stretch>
         </p:blipFill>
         <p:spPr bwMode="auto">
-          <a:xfrm rot="5400000">
-            <a:off x="1517072" y="-755071"/>
-            <a:ext cx="6109858" cy="9144001"/>
+          <a:xfrm>
+            <a:off x="2438400" y="762000"/>
+            <a:ext cx="4419600" cy="5867400"/>
           </a:xfrm>
           <a:prstGeom prst="rect">
             <a:avLst/>
@@ -18168,6 +18296,66 @@
 </file>
 
 <file path=ppt/slides/slide30.xml><?xml version="1.0" encoding="utf-8"?>
+<p:sld xmlns:a="http://schemas.openxmlformats.org/drawingml/2006/main" xmlns:r="http://schemas.openxmlformats.org/officeDocument/2006/relationships" xmlns:p="http://schemas.openxmlformats.org/presentationml/2006/main">
+  <p:cSld>
+    <p:spTree>
+      <p:nvGrpSpPr>
+        <p:cNvPr id="1" name=""/>
+        <p:cNvGrpSpPr/>
+        <p:nvPr/>
+      </p:nvGrpSpPr>
+      <p:grpSpPr>
+        <a:xfrm>
+          <a:off x="0" y="0"/>
+          <a:ext cx="0" cy="0"/>
+          <a:chOff x="0" y="0"/>
+          <a:chExt cx="0" cy="0"/>
+        </a:xfrm>
+      </p:grpSpPr>
+      <p:sp>
+        <p:nvSpPr>
+          <p:cNvPr id="2" name="Title 1"/>
+          <p:cNvSpPr>
+            <a:spLocks noGrp="1"/>
+          </p:cNvSpPr>
+          <p:nvPr>
+            <p:ph type="ctrTitle"/>
+          </p:nvPr>
+        </p:nvSpPr>
+        <p:spPr/>
+        <p:txBody>
+          <a:bodyPr/>
+          <a:lstStyle/>
+          <a:p>
+            <a:r>
+              <a:rPr lang="en-US" dirty="0" smtClean="0"/>
+              <a:t>Populating Feeders:</a:t>
+            </a:r>
+            <a:br>
+              <a:rPr lang="en-US" dirty="0" smtClean="0"/>
+            </a:br>
+            <a:r>
+              <a:rPr lang="en-US" dirty="0" smtClean="0"/>
+              <a:t>Physical System</a:t>
+            </a:r>
+            <a:endParaRPr lang="en-US" dirty="0"/>
+          </a:p>
+        </p:txBody>
+      </p:sp>
+    </p:spTree>
+    <p:extLst>
+      <p:ext uri="{BB962C8B-B14F-4D97-AF65-F5344CB8AC3E}">
+        <p14:creationId xmlns:p14="http://schemas.microsoft.com/office/powerpoint/2010/main" val="4146447630"/>
+      </p:ext>
+    </p:extLst>
+  </p:cSld>
+  <p:clrMapOvr>
+    <a:masterClrMapping/>
+  </p:clrMapOvr>
+</p:sld>
+</file>
+
+<file path=ppt/slides/slide31.xml><?xml version="1.0" encoding="utf-8"?>
 <p:sld xmlns:a="http://schemas.openxmlformats.org/drawingml/2006/main" xmlns:r="http://schemas.openxmlformats.org/officeDocument/2006/relationships" xmlns:p="http://schemas.openxmlformats.org/presentationml/2006/main">
   <p:cSld>
     <p:spTree>
@@ -18361,7 +18549,7 @@
           <a:graphicData uri="http://schemas.openxmlformats.org/presentationml/2006/ole">
             <mc:AlternateContent xmlns:mc="http://schemas.openxmlformats.org/markup-compatibility/2006">
               <mc:Choice xmlns:v="urn:schemas-microsoft-com:vml" Requires="v">
-                <p:oleObj spid="_x0000_s3088" name="Equation" r:id="rId3" imgW="2070100" imgH="431800" progId="Equation.3">
+                <p:oleObj spid="_x0000_s3109" name="Equation" r:id="rId3" imgW="2070100" imgH="431800" progId="Equation.3">
                   <p:embed/>
                 </p:oleObj>
               </mc:Choice>
@@ -18491,7 +18679,7 @@
           <a:graphicData uri="http://schemas.openxmlformats.org/presentationml/2006/ole">
             <mc:AlternateContent xmlns:mc="http://schemas.openxmlformats.org/markup-compatibility/2006">
               <mc:Choice xmlns:v="urn:schemas-microsoft-com:vml" Requires="v">
-                <p:oleObj spid="_x0000_s3089" name="Equation" r:id="rId5" imgW="2057400" imgH="431800" progId="Equation.3">
+                <p:oleObj spid="_x0000_s3110" name="Equation" r:id="rId5" imgW="2057400" imgH="431800" progId="Equation.3">
                   <p:embed/>
                 </p:oleObj>
               </mc:Choice>
@@ -18621,7 +18809,7 @@
           <a:graphicData uri="http://schemas.openxmlformats.org/presentationml/2006/ole">
             <mc:AlternateContent xmlns:mc="http://schemas.openxmlformats.org/markup-compatibility/2006">
               <mc:Choice xmlns:v="urn:schemas-microsoft-com:vml" Requires="v">
-                <p:oleObj spid="_x0000_s3090" name="Equation" r:id="rId7" imgW="1193760" imgH="228600" progId="Equation.3">
+                <p:oleObj spid="_x0000_s3111" name="Equation" r:id="rId7" imgW="1193760" imgH="228600" progId="Equation.3">
                   <p:embed/>
                 </p:oleObj>
               </mc:Choice>
@@ -18727,7 +18915,7 @@
 </p:sld>
 </file>
 
-<file path=ppt/slides/slide31.xml><?xml version="1.0" encoding="utf-8"?>
+<file path=ppt/slides/slide32.xml><?xml version="1.0" encoding="utf-8"?>
 <p:sld xmlns:a="http://schemas.openxmlformats.org/drawingml/2006/main" xmlns:r="http://schemas.openxmlformats.org/officeDocument/2006/relationships" xmlns:p="http://schemas.openxmlformats.org/presentationml/2006/main">
   <p:cSld>
     <p:spTree>
@@ -19078,7 +19266,7 @@
 </p:sld>
 </file>
 
-<file path=ppt/slides/slide32.xml><?xml version="1.0" encoding="utf-8"?>
+<file path=ppt/slides/slide33.xml><?xml version="1.0" encoding="utf-8"?>
 <p:sld xmlns:a="http://schemas.openxmlformats.org/drawingml/2006/main" xmlns:r="http://schemas.openxmlformats.org/officeDocument/2006/relationships" xmlns:p="http://schemas.openxmlformats.org/presentationml/2006/main">
   <p:cSld>
     <p:spTree>
@@ -19129,148 +19317,6 @@
     <p:extLst>
       <p:ext uri="{BB962C8B-B14F-4D97-AF65-F5344CB8AC3E}">
         <p14:creationId xmlns:p14="http://schemas.microsoft.com/office/powerpoint/2010/main" val="1551836824"/>
-      </p:ext>
-    </p:extLst>
-  </p:cSld>
-  <p:clrMapOvr>
-    <a:masterClrMapping/>
-  </p:clrMapOvr>
-</p:sld>
-</file>
-
-<file path=ppt/slides/slide33.xml><?xml version="1.0" encoding="utf-8"?>
-<p:sld xmlns:a="http://schemas.openxmlformats.org/drawingml/2006/main" xmlns:r="http://schemas.openxmlformats.org/officeDocument/2006/relationships" xmlns:p="http://schemas.openxmlformats.org/presentationml/2006/main">
-  <p:cSld>
-    <p:spTree>
-      <p:nvGrpSpPr>
-        <p:cNvPr id="1" name=""/>
-        <p:cNvGrpSpPr/>
-        <p:nvPr/>
-      </p:nvGrpSpPr>
-      <p:grpSpPr>
-        <a:xfrm>
-          <a:off x="0" y="0"/>
-          <a:ext cx="0" cy="0"/>
-          <a:chOff x="0" y="0"/>
-          <a:chExt cx="0" cy="0"/>
-        </a:xfrm>
-      </p:grpSpPr>
-      <p:sp>
-        <p:nvSpPr>
-          <p:cNvPr id="2" name="Title 1"/>
-          <p:cNvSpPr>
-            <a:spLocks noGrp="1"/>
-          </p:cNvSpPr>
-          <p:nvPr>
-            <p:ph type="title"/>
-          </p:nvPr>
-        </p:nvSpPr>
-        <p:spPr/>
-        <p:txBody>
-          <a:bodyPr/>
-          <a:lstStyle/>
-          <a:p>
-            <a:r>
-              <a:rPr lang="en-US" dirty="0" smtClean="0"/>
-              <a:t>Weather Data</a:t>
-            </a:r>
-            <a:endParaRPr lang="en-US" dirty="0"/>
-          </a:p>
-        </p:txBody>
-      </p:sp>
-      <p:sp>
-        <p:nvSpPr>
-          <p:cNvPr id="3" name="Content Placeholder 2"/>
-          <p:cNvSpPr>
-            <a:spLocks noGrp="1"/>
-          </p:cNvSpPr>
-          <p:nvPr>
-            <p:ph idx="1"/>
-          </p:nvPr>
-        </p:nvSpPr>
-        <p:spPr>
-          <a:xfrm>
-            <a:off x="457200" y="1600200"/>
-            <a:ext cx="8382000" cy="4876800"/>
-          </a:xfrm>
-        </p:spPr>
-        <p:txBody>
-          <a:bodyPr>
-            <a:normAutofit fontScale="92500" lnSpcReduction="20000"/>
-          </a:bodyPr>
-          <a:lstStyle/>
-          <a:p>
-            <a:r>
-              <a:rPr lang="en-US" dirty="0" smtClean="0"/>
-              <a:t>TMY data</a:t>
-            </a:r>
-          </a:p>
-          <a:p>
-            <a:pPr lvl="1"/>
-            <a:r>
-              <a:rPr lang="en-US" dirty="0" smtClean="0"/>
-              <a:t>Very average data</a:t>
-            </a:r>
-          </a:p>
-          <a:p>
-            <a:pPr lvl="1"/>
-            <a:r>
-              <a:rPr lang="en-US" dirty="0" smtClean="0"/>
-              <a:t>May be good for long term planning</a:t>
-            </a:r>
-          </a:p>
-          <a:p>
-            <a:r>
-              <a:rPr lang="en-US" dirty="0" smtClean="0"/>
-              <a:t>CSV Reader</a:t>
-            </a:r>
-          </a:p>
-          <a:p>
-            <a:pPr lvl="1"/>
-            <a:r>
-              <a:rPr lang="en-US" dirty="0" smtClean="0"/>
-              <a:t>Can incorporate “real” data (e.g. 2009)</a:t>
-            </a:r>
-          </a:p>
-          <a:p>
-            <a:pPr lvl="1"/>
-            <a:r>
-              <a:rPr lang="en-US" dirty="0" smtClean="0"/>
-              <a:t>Required to calibrate to SCADA on a minute-by-minute basis</a:t>
-            </a:r>
-          </a:p>
-          <a:p>
-            <a:pPr lvl="1"/>
-            <a:r>
-              <a:rPr lang="en-US" dirty="0" smtClean="0"/>
-              <a:t>Requires temperature, humidity, and solar instance</a:t>
-            </a:r>
-          </a:p>
-          <a:p>
-            <a:pPr lvl="1"/>
-            <a:r>
-              <a:rPr lang="en-US" dirty="0" smtClean="0"/>
-              <a:t>Can sometimes require a fair amount of data </a:t>
-            </a:r>
-            <a:r>
-              <a:rPr lang="en-US" dirty="0" smtClean="0"/>
-              <a:t>processing</a:t>
-            </a:r>
-          </a:p>
-          <a:p>
-            <a:pPr lvl="1"/>
-            <a:r>
-              <a:rPr lang="en-US" dirty="0" smtClean="0"/>
-              <a:t>May need to be interpolated depending upon simulation goals (ETP model can cause problems)</a:t>
-            </a:r>
-            <a:endParaRPr lang="en-US" dirty="0"/>
-          </a:p>
-        </p:txBody>
-      </p:sp>
-    </p:spTree>
-    <p:extLst>
-      <p:ext uri="{BB962C8B-B14F-4D97-AF65-F5344CB8AC3E}">
-        <p14:creationId xmlns:p14="http://schemas.microsoft.com/office/powerpoint/2010/main" val="1910477111"/>
       </p:ext>
     </p:extLst>
   </p:cSld>
@@ -19304,6 +19350,144 @@
             <a:spLocks noGrp="1"/>
           </p:cNvSpPr>
           <p:nvPr>
+            <p:ph type="title"/>
+          </p:nvPr>
+        </p:nvSpPr>
+        <p:spPr/>
+        <p:txBody>
+          <a:bodyPr/>
+          <a:lstStyle/>
+          <a:p>
+            <a:r>
+              <a:rPr lang="en-US" dirty="0" smtClean="0"/>
+              <a:t>Weather Data</a:t>
+            </a:r>
+            <a:endParaRPr lang="en-US" dirty="0"/>
+          </a:p>
+        </p:txBody>
+      </p:sp>
+      <p:sp>
+        <p:nvSpPr>
+          <p:cNvPr id="3" name="Content Placeholder 2"/>
+          <p:cNvSpPr>
+            <a:spLocks noGrp="1"/>
+          </p:cNvSpPr>
+          <p:nvPr>
+            <p:ph idx="1"/>
+          </p:nvPr>
+        </p:nvSpPr>
+        <p:spPr>
+          <a:xfrm>
+            <a:off x="457200" y="1600200"/>
+            <a:ext cx="8382000" cy="4876800"/>
+          </a:xfrm>
+        </p:spPr>
+        <p:txBody>
+          <a:bodyPr>
+            <a:normAutofit fontScale="92500" lnSpcReduction="20000"/>
+          </a:bodyPr>
+          <a:lstStyle/>
+          <a:p>
+            <a:r>
+              <a:rPr lang="en-US" dirty="0" smtClean="0"/>
+              <a:t>TMY data</a:t>
+            </a:r>
+          </a:p>
+          <a:p>
+            <a:pPr lvl="1"/>
+            <a:r>
+              <a:rPr lang="en-US" dirty="0" smtClean="0"/>
+              <a:t>Very average data</a:t>
+            </a:r>
+          </a:p>
+          <a:p>
+            <a:pPr lvl="1"/>
+            <a:r>
+              <a:rPr lang="en-US" dirty="0" smtClean="0"/>
+              <a:t>May be good for long term planning</a:t>
+            </a:r>
+          </a:p>
+          <a:p>
+            <a:r>
+              <a:rPr lang="en-US" dirty="0" smtClean="0"/>
+              <a:t>CSV Reader</a:t>
+            </a:r>
+          </a:p>
+          <a:p>
+            <a:pPr lvl="1"/>
+            <a:r>
+              <a:rPr lang="en-US" dirty="0" smtClean="0"/>
+              <a:t>Can incorporate “real” data (e.g. 2009)</a:t>
+            </a:r>
+          </a:p>
+          <a:p>
+            <a:pPr lvl="1"/>
+            <a:r>
+              <a:rPr lang="en-US" dirty="0" smtClean="0"/>
+              <a:t>Required to calibrate to SCADA on a minute-by-minute basis</a:t>
+            </a:r>
+          </a:p>
+          <a:p>
+            <a:pPr lvl="1"/>
+            <a:r>
+              <a:rPr lang="en-US" dirty="0" smtClean="0"/>
+              <a:t>Requires temperature, humidity, and solar instance</a:t>
+            </a:r>
+          </a:p>
+          <a:p>
+            <a:pPr lvl="1"/>
+            <a:r>
+              <a:rPr lang="en-US" dirty="0" smtClean="0"/>
+              <a:t>Can sometimes require a fair amount of data processing</a:t>
+            </a:r>
+          </a:p>
+          <a:p>
+            <a:pPr lvl="1"/>
+            <a:r>
+              <a:rPr lang="en-US" dirty="0" smtClean="0"/>
+              <a:t>May need to be interpolated depending upon simulation goals (ETP model can cause problems)</a:t>
+            </a:r>
+            <a:endParaRPr lang="en-US" dirty="0"/>
+          </a:p>
+        </p:txBody>
+      </p:sp>
+    </p:spTree>
+    <p:extLst>
+      <p:ext uri="{BB962C8B-B14F-4D97-AF65-F5344CB8AC3E}">
+        <p14:creationId xmlns:p14="http://schemas.microsoft.com/office/powerpoint/2010/main" val="1910477111"/>
+      </p:ext>
+    </p:extLst>
+  </p:cSld>
+  <p:clrMapOvr>
+    <a:masterClrMapping/>
+  </p:clrMapOvr>
+</p:sld>
+</file>
+
+<file path=ppt/slides/slide35.xml><?xml version="1.0" encoding="utf-8"?>
+<p:sld xmlns:a="http://schemas.openxmlformats.org/drawingml/2006/main" xmlns:r="http://schemas.openxmlformats.org/officeDocument/2006/relationships" xmlns:p="http://schemas.openxmlformats.org/presentationml/2006/main">
+  <p:cSld>
+    <p:spTree>
+      <p:nvGrpSpPr>
+        <p:cNvPr id="1" name=""/>
+        <p:cNvGrpSpPr/>
+        <p:nvPr/>
+      </p:nvGrpSpPr>
+      <p:grpSpPr>
+        <a:xfrm>
+          <a:off x="0" y="0"/>
+          <a:ext cx="0" cy="0"/>
+          <a:chOff x="0" y="0"/>
+          <a:chExt cx="0" cy="0"/>
+        </a:xfrm>
+      </p:grpSpPr>
+      <p:sp>
+        <p:nvSpPr>
+          <p:cNvPr id="2" name="Title 1"/>
+          <p:cNvSpPr>
+            <a:spLocks noGrp="1"/>
+          </p:cNvSpPr>
+          <p:nvPr>
             <p:ph type="ctrTitle"/>
           </p:nvPr>
         </p:nvSpPr>
@@ -19340,7 +19524,7 @@
 </p:sld>
 </file>
 
-<file path=ppt/slides/slide35.xml><?xml version="1.0" encoding="utf-8"?>
+<file path=ppt/slides/slide36.xml><?xml version="1.0" encoding="utf-8"?>
 <p:sld xmlns:a="http://schemas.openxmlformats.org/drawingml/2006/main" xmlns:r="http://schemas.openxmlformats.org/officeDocument/2006/relationships" xmlns:p="http://schemas.openxmlformats.org/presentationml/2006/main">
   <p:cSld>
     <p:spTree>
@@ -19570,7 +19754,9 @@
         </p:nvSpPr>
         <p:spPr/>
         <p:txBody>
-          <a:bodyPr/>
+          <a:bodyPr>
+            <a:normAutofit lnSpcReduction="10000"/>
+          </a:bodyPr>
           <a:lstStyle/>
           <a:p>
             <a:r>
@@ -19617,7 +19803,7 @@
           <a:p>
             <a:r>
               <a:rPr lang="en-US" dirty="0" smtClean="0"/>
-              <a:t>Does an initial “does it solve” check by running output file in GridLAB-D</a:t>
+              <a:t>Does an initial check for possible issues that would cause the system to not correctly solve (e.g. loops and islands)</a:t>
             </a:r>
             <a:endParaRPr lang="en-US" dirty="0"/>
           </a:p>
